--- a/documents/Data_Tables_Figures/map_2020.pptx
+++ b/documents/Data_Tables_Figures/map_2020.pptx
@@ -243,7 +243,7 @@
           <a:p>
             <a:fld id="{5C7C4FEB-A0D3-40EC-9802-393C2EC40D40}" type="datetimeFigureOut">
               <a:rPr lang="en-US" smtClean="0"/>
-              <a:t>2/5/2021</a:t>
+              <a:t>3/4/2021</a:t>
             </a:fld>
             <a:endParaRPr lang="en-US"/>
           </a:p>
@@ -413,7 +413,7 @@
           <a:p>
             <a:fld id="{5C7C4FEB-A0D3-40EC-9802-393C2EC40D40}" type="datetimeFigureOut">
               <a:rPr lang="en-US" smtClean="0"/>
-              <a:t>2/5/2021</a:t>
+              <a:t>3/4/2021</a:t>
             </a:fld>
             <a:endParaRPr lang="en-US"/>
           </a:p>
@@ -593,7 +593,7 @@
           <a:p>
             <a:fld id="{5C7C4FEB-A0D3-40EC-9802-393C2EC40D40}" type="datetimeFigureOut">
               <a:rPr lang="en-US" smtClean="0"/>
-              <a:t>2/5/2021</a:t>
+              <a:t>3/4/2021</a:t>
             </a:fld>
             <a:endParaRPr lang="en-US"/>
           </a:p>
@@ -763,7 +763,7 @@
           <a:p>
             <a:fld id="{5C7C4FEB-A0D3-40EC-9802-393C2EC40D40}" type="datetimeFigureOut">
               <a:rPr lang="en-US" smtClean="0"/>
-              <a:t>2/5/2021</a:t>
+              <a:t>3/4/2021</a:t>
             </a:fld>
             <a:endParaRPr lang="en-US"/>
           </a:p>
@@ -1009,7 +1009,7 @@
           <a:p>
             <a:fld id="{5C7C4FEB-A0D3-40EC-9802-393C2EC40D40}" type="datetimeFigureOut">
               <a:rPr lang="en-US" smtClean="0"/>
-              <a:t>2/5/2021</a:t>
+              <a:t>3/4/2021</a:t>
             </a:fld>
             <a:endParaRPr lang="en-US"/>
           </a:p>
@@ -1241,7 +1241,7 @@
           <a:p>
             <a:fld id="{5C7C4FEB-A0D3-40EC-9802-393C2EC40D40}" type="datetimeFigureOut">
               <a:rPr lang="en-US" smtClean="0"/>
-              <a:t>2/5/2021</a:t>
+              <a:t>3/4/2021</a:t>
             </a:fld>
             <a:endParaRPr lang="en-US"/>
           </a:p>
@@ -1608,7 +1608,7 @@
           <a:p>
             <a:fld id="{5C7C4FEB-A0D3-40EC-9802-393C2EC40D40}" type="datetimeFigureOut">
               <a:rPr lang="en-US" smtClean="0"/>
-              <a:t>2/5/2021</a:t>
+              <a:t>3/4/2021</a:t>
             </a:fld>
             <a:endParaRPr lang="en-US"/>
           </a:p>
@@ -1726,7 +1726,7 @@
           <a:p>
             <a:fld id="{5C7C4FEB-A0D3-40EC-9802-393C2EC40D40}" type="datetimeFigureOut">
               <a:rPr lang="en-US" smtClean="0"/>
-              <a:t>2/5/2021</a:t>
+              <a:t>3/4/2021</a:t>
             </a:fld>
             <a:endParaRPr lang="en-US"/>
           </a:p>
@@ -1821,7 +1821,7 @@
           <a:p>
             <a:fld id="{5C7C4FEB-A0D3-40EC-9802-393C2EC40D40}" type="datetimeFigureOut">
               <a:rPr lang="en-US" smtClean="0"/>
-              <a:t>2/5/2021</a:t>
+              <a:t>3/4/2021</a:t>
             </a:fld>
             <a:endParaRPr lang="en-US"/>
           </a:p>
@@ -2098,7 +2098,7 @@
           <a:p>
             <a:fld id="{5C7C4FEB-A0D3-40EC-9802-393C2EC40D40}" type="datetimeFigureOut">
               <a:rPr lang="en-US" smtClean="0"/>
-              <a:t>2/5/2021</a:t>
+              <a:t>3/4/2021</a:t>
             </a:fld>
             <a:endParaRPr lang="en-US"/>
           </a:p>
@@ -2351,7 +2351,7 @@
           <a:p>
             <a:fld id="{5C7C4FEB-A0D3-40EC-9802-393C2EC40D40}" type="datetimeFigureOut">
               <a:rPr lang="en-US" smtClean="0"/>
-              <a:t>2/5/2021</a:t>
+              <a:t>3/4/2021</a:t>
             </a:fld>
             <a:endParaRPr lang="en-US"/>
           </a:p>
@@ -2564,7 +2564,7 @@
           <a:p>
             <a:fld id="{5C7C4FEB-A0D3-40EC-9802-393C2EC40D40}" type="datetimeFigureOut">
               <a:rPr lang="en-US" smtClean="0"/>
-              <a:t>2/5/2021</a:t>
+              <a:t>3/4/2021</a:t>
             </a:fld>
             <a:endParaRPr lang="en-US"/>
           </a:p>
@@ -2971,13 +2971,13 @@
       </p:grpSpPr>
       <p:pic>
         <p:nvPicPr>
-          <p:cNvPr id="4" name="Picture 3"/>
+          <p:cNvPr id="3" name="Picture 2"/>
           <p:cNvPicPr>
             <a:picLocks noChangeAspect="1"/>
           </p:cNvPicPr>
           <p:nvPr/>
         </p:nvPicPr>
-        <p:blipFill>
+        <p:blipFill rotWithShape="1">
           <a:blip r:embed="rId2">
             <a:extLst>
               <a:ext uri="{28A0092B-C50C-407E-A947-70E740481C1C}">
@@ -2985,14 +2985,13 @@
               </a:ext>
             </a:extLst>
           </a:blip>
-          <a:stretch>
-            <a:fillRect/>
-          </a:stretch>
+          <a:srcRect l="-194" r="7508" b="23104"/>
+          <a:stretch/>
         </p:blipFill>
         <p:spPr>
           <a:xfrm>
-            <a:off x="52933" y="0"/>
-            <a:ext cx="11758067" cy="6858000"/>
+            <a:off x="-40341" y="0"/>
+            <a:ext cx="12256171" cy="6710082"/>
           </a:xfrm>
           <a:prstGeom prst="rect">
             <a:avLst/>
@@ -3131,8 +3130,8 @@
         </p:nvSpPr>
         <p:spPr>
           <a:xfrm>
-            <a:off x="4093029" y="2365831"/>
-            <a:ext cx="1349827" cy="682170"/>
+            <a:off x="3380336" y="3355041"/>
+            <a:ext cx="1070642" cy="533401"/>
           </a:xfrm>
           <a:prstGeom prst="ellipse">
             <a:avLst/>
